--- a/images/theory_analysis/Servlet_Servlet_Container/Servlet_Servlet_Container.pptx
+++ b/images/theory_analysis/Servlet_Servlet_Container/Servlet_Servlet_Container.pptx
@@ -109,7 +109,7 @@
   </p:defaultTextStyle>
   <p:extLst>
     <p:ext uri="{EFAFB233-063F-42B5-8137-9DF3F51BA10A}">
-      <p15:sldGuideLst xmlns:p15="http://schemas.microsoft.com/office/powerpoint/2012/main" xmlns="">
+      <p15:sldGuideLst xmlns:p15="http://schemas.microsoft.com/office/powerpoint/2012/main">
         <p15:guide id="1" orient="horz" pos="2160">
           <p15:clr>
             <a:srgbClr val="A4A3A4"/>
@@ -129,6 +129,10 @@
     </p:ext>
   </p:extLst>
 </p:presentation>
+</file>
+
+<file path=ppt/revisionInfo.xml><?xml version="1.0" encoding="utf-8"?>
+<p1510:revInfo xmlns:a="http://schemas.openxmlformats.org/drawingml/2006/main" xmlns:r="http://schemas.openxmlformats.org/officeDocument/2006/relationships" xmlns:p1510="http://schemas.microsoft.com/office/powerpoint/2015/10/main"/>
 </file>
 
 <file path=ppt/notesMasters/notesMaster1.xml><?xml version="1.0" encoding="utf-8"?>
@@ -213,7 +217,7 @@
           <a:p>
             <a:fld id="{6CD5550B-26C4-49A9-A5BA-636EF7BE6CE9}" type="datetimeFigureOut">
               <a:rPr lang="ko-KR" altLang="en-US" smtClean="0"/>
-              <a:t>2017-12-05</a:t>
+              <a:t>2017-12-10</a:t>
             </a:fld>
             <a:endParaRPr lang="ko-KR" altLang="en-US"/>
           </a:p>
@@ -277,38 +281,37 @@
           <a:p>
             <a:pPr lvl="0"/>
             <a:r>
-              <a:rPr lang="ko-KR" altLang="en-US" smtClean="0"/>
+              <a:rPr lang="ko-KR" altLang="en-US"/>
               <a:t>마스터 텍스트 스타일을 편집합니다</a:t>
             </a:r>
           </a:p>
           <a:p>
             <a:pPr lvl="1"/>
             <a:r>
-              <a:rPr lang="ko-KR" altLang="en-US" smtClean="0"/>
+              <a:rPr lang="ko-KR" altLang="en-US"/>
               <a:t>둘째 수준</a:t>
             </a:r>
           </a:p>
           <a:p>
             <a:pPr lvl="2"/>
             <a:r>
-              <a:rPr lang="ko-KR" altLang="en-US" smtClean="0"/>
+              <a:rPr lang="ko-KR" altLang="en-US"/>
               <a:t>셋째 수준</a:t>
             </a:r>
           </a:p>
           <a:p>
             <a:pPr lvl="3"/>
             <a:r>
-              <a:rPr lang="ko-KR" altLang="en-US" smtClean="0"/>
+              <a:rPr lang="ko-KR" altLang="en-US"/>
               <a:t>넷째 수준</a:t>
             </a:r>
           </a:p>
           <a:p>
             <a:pPr lvl="4"/>
             <a:r>
-              <a:rPr lang="ko-KR" altLang="en-US" smtClean="0"/>
+              <a:rPr lang="ko-KR" altLang="en-US"/>
               <a:t>다섯째 수준</a:t>
             </a:r>
-            <a:endParaRPr lang="ko-KR" altLang="en-US"/>
           </a:p>
         </p:txBody>
       </p:sp>
@@ -603,10 +606,9 @@
           <a:lstStyle/>
           <a:p>
             <a:r>
-              <a:rPr lang="ko-KR" altLang="en-US" smtClean="0"/>
+              <a:rPr lang="ko-KR" altLang="en-US"/>
               <a:t>마스터 제목 스타일 편집</a:t>
             </a:r>
-            <a:endParaRPr lang="ko-KR" altLang="en-US"/>
           </a:p>
         </p:txBody>
       </p:sp>
@@ -722,10 +724,9 @@
           </a:lstStyle>
           <a:p>
             <a:r>
-              <a:rPr lang="ko-KR" altLang="en-US" smtClean="0"/>
+              <a:rPr lang="ko-KR" altLang="en-US"/>
               <a:t>마스터 부제목 스타일 편집</a:t>
             </a:r>
-            <a:endParaRPr lang="ko-KR" altLang="en-US"/>
           </a:p>
         </p:txBody>
       </p:sp>
@@ -746,7 +747,7 @@
           <a:p>
             <a:fld id="{FB30EDBD-1C2D-4C1E-B459-B60219FAB484}" type="datetimeFigureOut">
               <a:rPr lang="ko-KR" altLang="en-US" smtClean="0"/>
-              <a:t>2017-12-05</a:t>
+              <a:t>2017-12-10</a:t>
             </a:fld>
             <a:endParaRPr lang="ko-KR" altLang="en-US"/>
           </a:p>
@@ -835,10 +836,9 @@
           <a:lstStyle/>
           <a:p>
             <a:r>
-              <a:rPr lang="ko-KR" altLang="en-US" smtClean="0"/>
+              <a:rPr lang="ko-KR" altLang="en-US"/>
               <a:t>마스터 제목 스타일 편집</a:t>
             </a:r>
-            <a:endParaRPr lang="ko-KR" altLang="en-US"/>
           </a:p>
         </p:txBody>
       </p:sp>
@@ -859,38 +859,37 @@
           <a:p>
             <a:pPr lvl="0"/>
             <a:r>
-              <a:rPr lang="ko-KR" altLang="en-US" smtClean="0"/>
+              <a:rPr lang="ko-KR" altLang="en-US"/>
               <a:t>마스터 텍스트 스타일을 편집합니다</a:t>
             </a:r>
           </a:p>
           <a:p>
             <a:pPr lvl="1"/>
             <a:r>
-              <a:rPr lang="ko-KR" altLang="en-US" smtClean="0"/>
+              <a:rPr lang="ko-KR" altLang="en-US"/>
               <a:t>둘째 수준</a:t>
             </a:r>
           </a:p>
           <a:p>
             <a:pPr lvl="2"/>
             <a:r>
-              <a:rPr lang="ko-KR" altLang="en-US" smtClean="0"/>
+              <a:rPr lang="ko-KR" altLang="en-US"/>
               <a:t>셋째 수준</a:t>
             </a:r>
           </a:p>
           <a:p>
             <a:pPr lvl="3"/>
             <a:r>
-              <a:rPr lang="ko-KR" altLang="en-US" smtClean="0"/>
+              <a:rPr lang="ko-KR" altLang="en-US"/>
               <a:t>넷째 수준</a:t>
             </a:r>
           </a:p>
           <a:p>
             <a:pPr lvl="4"/>
             <a:r>
-              <a:rPr lang="ko-KR" altLang="en-US" smtClean="0"/>
+              <a:rPr lang="ko-KR" altLang="en-US"/>
               <a:t>다섯째 수준</a:t>
             </a:r>
-            <a:endParaRPr lang="ko-KR" altLang="en-US"/>
           </a:p>
         </p:txBody>
       </p:sp>
@@ -911,7 +910,7 @@
           <a:p>
             <a:fld id="{FB30EDBD-1C2D-4C1E-B459-B60219FAB484}" type="datetimeFigureOut">
               <a:rPr lang="ko-KR" altLang="en-US" smtClean="0"/>
-              <a:t>2017-12-05</a:t>
+              <a:t>2017-12-10</a:t>
             </a:fld>
             <a:endParaRPr lang="ko-KR" altLang="en-US"/>
           </a:p>
@@ -1005,10 +1004,9 @@
           <a:lstStyle/>
           <a:p>
             <a:r>
-              <a:rPr lang="ko-KR" altLang="en-US" smtClean="0"/>
+              <a:rPr lang="ko-KR" altLang="en-US"/>
               <a:t>마스터 제목 스타일 편집</a:t>
             </a:r>
-            <a:endParaRPr lang="ko-KR" altLang="en-US"/>
           </a:p>
         </p:txBody>
       </p:sp>
@@ -1034,38 +1032,37 @@
           <a:p>
             <a:pPr lvl="0"/>
             <a:r>
-              <a:rPr lang="ko-KR" altLang="en-US" smtClean="0"/>
+              <a:rPr lang="ko-KR" altLang="en-US"/>
               <a:t>마스터 텍스트 스타일을 편집합니다</a:t>
             </a:r>
           </a:p>
           <a:p>
             <a:pPr lvl="1"/>
             <a:r>
-              <a:rPr lang="ko-KR" altLang="en-US" smtClean="0"/>
+              <a:rPr lang="ko-KR" altLang="en-US"/>
               <a:t>둘째 수준</a:t>
             </a:r>
           </a:p>
           <a:p>
             <a:pPr lvl="2"/>
             <a:r>
-              <a:rPr lang="ko-KR" altLang="en-US" smtClean="0"/>
+              <a:rPr lang="ko-KR" altLang="en-US"/>
               <a:t>셋째 수준</a:t>
             </a:r>
           </a:p>
           <a:p>
             <a:pPr lvl="3"/>
             <a:r>
-              <a:rPr lang="ko-KR" altLang="en-US" smtClean="0"/>
+              <a:rPr lang="ko-KR" altLang="en-US"/>
               <a:t>넷째 수준</a:t>
             </a:r>
           </a:p>
           <a:p>
             <a:pPr lvl="4"/>
             <a:r>
-              <a:rPr lang="ko-KR" altLang="en-US" smtClean="0"/>
+              <a:rPr lang="ko-KR" altLang="en-US"/>
               <a:t>다섯째 수준</a:t>
             </a:r>
-            <a:endParaRPr lang="ko-KR" altLang="en-US"/>
           </a:p>
         </p:txBody>
       </p:sp>
@@ -1086,7 +1083,7 @@
           <a:p>
             <a:fld id="{FB30EDBD-1C2D-4C1E-B459-B60219FAB484}" type="datetimeFigureOut">
               <a:rPr lang="ko-KR" altLang="en-US" smtClean="0"/>
-              <a:t>2017-12-05</a:t>
+              <a:t>2017-12-10</a:t>
             </a:fld>
             <a:endParaRPr lang="ko-KR" altLang="en-US"/>
           </a:p>
@@ -1175,10 +1172,9 @@
           <a:lstStyle/>
           <a:p>
             <a:r>
-              <a:rPr lang="ko-KR" altLang="en-US" smtClean="0"/>
+              <a:rPr lang="ko-KR" altLang="en-US"/>
               <a:t>마스터 제목 스타일 편집</a:t>
             </a:r>
-            <a:endParaRPr lang="ko-KR" altLang="en-US"/>
           </a:p>
         </p:txBody>
       </p:sp>
@@ -1199,38 +1195,37 @@
           <a:p>
             <a:pPr lvl="0"/>
             <a:r>
-              <a:rPr lang="ko-KR" altLang="en-US" smtClean="0"/>
+              <a:rPr lang="ko-KR" altLang="en-US"/>
               <a:t>마스터 텍스트 스타일을 편집합니다</a:t>
             </a:r>
           </a:p>
           <a:p>
             <a:pPr lvl="1"/>
             <a:r>
-              <a:rPr lang="ko-KR" altLang="en-US" smtClean="0"/>
+              <a:rPr lang="ko-KR" altLang="en-US"/>
               <a:t>둘째 수준</a:t>
             </a:r>
           </a:p>
           <a:p>
             <a:pPr lvl="2"/>
             <a:r>
-              <a:rPr lang="ko-KR" altLang="en-US" smtClean="0"/>
+              <a:rPr lang="ko-KR" altLang="en-US"/>
               <a:t>셋째 수준</a:t>
             </a:r>
           </a:p>
           <a:p>
             <a:pPr lvl="3"/>
             <a:r>
-              <a:rPr lang="ko-KR" altLang="en-US" smtClean="0"/>
+              <a:rPr lang="ko-KR" altLang="en-US"/>
               <a:t>넷째 수준</a:t>
             </a:r>
           </a:p>
           <a:p>
             <a:pPr lvl="4"/>
             <a:r>
-              <a:rPr lang="ko-KR" altLang="en-US" smtClean="0"/>
+              <a:rPr lang="ko-KR" altLang="en-US"/>
               <a:t>다섯째 수준</a:t>
             </a:r>
-            <a:endParaRPr lang="ko-KR" altLang="en-US"/>
           </a:p>
         </p:txBody>
       </p:sp>
@@ -1251,7 +1246,7 @@
           <a:p>
             <a:fld id="{FB30EDBD-1C2D-4C1E-B459-B60219FAB484}" type="datetimeFigureOut">
               <a:rPr lang="ko-KR" altLang="en-US" smtClean="0"/>
-              <a:t>2017-12-05</a:t>
+              <a:t>2017-12-10</a:t>
             </a:fld>
             <a:endParaRPr lang="ko-KR" altLang="en-US"/>
           </a:p>
@@ -1304,13 +1299,6 @@
   <p:clrMapOvr>
     <a:masterClrMapping/>
   </p:clrMapOvr>
-  <p:timing>
-    <p:tnLst>
-      <p:par>
-        <p:cTn id="1" dur="indefinite" restart="never" nodeType="tmRoot"/>
-      </p:par>
-    </p:tnLst>
-  </p:timing>
 </p:sldLayout>
 </file>
 
@@ -1356,10 +1344,9 @@
           </a:lstStyle>
           <a:p>
             <a:r>
-              <a:rPr lang="ko-KR" altLang="en-US" smtClean="0"/>
+              <a:rPr lang="ko-KR" altLang="en-US"/>
               <a:t>마스터 제목 스타일 편집</a:t>
             </a:r>
-            <a:endParaRPr lang="ko-KR" altLang="en-US"/>
           </a:p>
         </p:txBody>
       </p:sp>
@@ -1476,7 +1463,7 @@
           <a:p>
             <a:pPr lvl="0"/>
             <a:r>
-              <a:rPr lang="ko-KR" altLang="en-US" smtClean="0"/>
+              <a:rPr lang="ko-KR" altLang="en-US"/>
               <a:t>마스터 텍스트 스타일을 편집합니다</a:t>
             </a:r>
           </a:p>
@@ -1499,7 +1486,7 @@
           <a:p>
             <a:fld id="{FB30EDBD-1C2D-4C1E-B459-B60219FAB484}" type="datetimeFigureOut">
               <a:rPr lang="ko-KR" altLang="en-US" smtClean="0"/>
-              <a:t>2017-12-05</a:t>
+              <a:t>2017-12-10</a:t>
             </a:fld>
             <a:endParaRPr lang="ko-KR" altLang="en-US"/>
           </a:p>
@@ -1588,10 +1575,9 @@
           <a:lstStyle/>
           <a:p>
             <a:r>
-              <a:rPr lang="ko-KR" altLang="en-US" smtClean="0"/>
+              <a:rPr lang="ko-KR" altLang="en-US"/>
               <a:t>마스터 제목 스타일 편집</a:t>
             </a:r>
-            <a:endParaRPr lang="ko-KR" altLang="en-US"/>
           </a:p>
         </p:txBody>
       </p:sp>
@@ -1645,38 +1631,37 @@
           <a:p>
             <a:pPr lvl="0"/>
             <a:r>
-              <a:rPr lang="ko-KR" altLang="en-US" smtClean="0"/>
+              <a:rPr lang="ko-KR" altLang="en-US"/>
               <a:t>마스터 텍스트 스타일을 편집합니다</a:t>
             </a:r>
           </a:p>
           <a:p>
             <a:pPr lvl="1"/>
             <a:r>
-              <a:rPr lang="ko-KR" altLang="en-US" smtClean="0"/>
+              <a:rPr lang="ko-KR" altLang="en-US"/>
               <a:t>둘째 수준</a:t>
             </a:r>
           </a:p>
           <a:p>
             <a:pPr lvl="2"/>
             <a:r>
-              <a:rPr lang="ko-KR" altLang="en-US" smtClean="0"/>
+              <a:rPr lang="ko-KR" altLang="en-US"/>
               <a:t>셋째 수준</a:t>
             </a:r>
           </a:p>
           <a:p>
             <a:pPr lvl="3"/>
             <a:r>
-              <a:rPr lang="ko-KR" altLang="en-US" smtClean="0"/>
+              <a:rPr lang="ko-KR" altLang="en-US"/>
               <a:t>넷째 수준</a:t>
             </a:r>
           </a:p>
           <a:p>
             <a:pPr lvl="4"/>
             <a:r>
-              <a:rPr lang="ko-KR" altLang="en-US" smtClean="0"/>
+              <a:rPr lang="ko-KR" altLang="en-US"/>
               <a:t>다섯째 수준</a:t>
             </a:r>
-            <a:endParaRPr lang="ko-KR" altLang="en-US"/>
           </a:p>
         </p:txBody>
       </p:sp>
@@ -1730,38 +1715,37 @@
           <a:p>
             <a:pPr lvl="0"/>
             <a:r>
-              <a:rPr lang="ko-KR" altLang="en-US" smtClean="0"/>
+              <a:rPr lang="ko-KR" altLang="en-US"/>
               <a:t>마스터 텍스트 스타일을 편집합니다</a:t>
             </a:r>
           </a:p>
           <a:p>
             <a:pPr lvl="1"/>
             <a:r>
-              <a:rPr lang="ko-KR" altLang="en-US" smtClean="0"/>
+              <a:rPr lang="ko-KR" altLang="en-US"/>
               <a:t>둘째 수준</a:t>
             </a:r>
           </a:p>
           <a:p>
             <a:pPr lvl="2"/>
             <a:r>
-              <a:rPr lang="ko-KR" altLang="en-US" smtClean="0"/>
+              <a:rPr lang="ko-KR" altLang="en-US"/>
               <a:t>셋째 수준</a:t>
             </a:r>
           </a:p>
           <a:p>
             <a:pPr lvl="3"/>
             <a:r>
-              <a:rPr lang="ko-KR" altLang="en-US" smtClean="0"/>
+              <a:rPr lang="ko-KR" altLang="en-US"/>
               <a:t>넷째 수준</a:t>
             </a:r>
           </a:p>
           <a:p>
             <a:pPr lvl="4"/>
             <a:r>
-              <a:rPr lang="ko-KR" altLang="en-US" smtClean="0"/>
+              <a:rPr lang="ko-KR" altLang="en-US"/>
               <a:t>다섯째 수준</a:t>
             </a:r>
-            <a:endParaRPr lang="ko-KR" altLang="en-US"/>
           </a:p>
         </p:txBody>
       </p:sp>
@@ -1782,7 +1766,7 @@
           <a:p>
             <a:fld id="{FB30EDBD-1C2D-4C1E-B459-B60219FAB484}" type="datetimeFigureOut">
               <a:rPr lang="ko-KR" altLang="en-US" smtClean="0"/>
-              <a:t>2017-12-05</a:t>
+              <a:t>2017-12-10</a:t>
             </a:fld>
             <a:endParaRPr lang="ko-KR" altLang="en-US"/>
           </a:p>
@@ -1875,10 +1859,9 @@
           </a:lstStyle>
           <a:p>
             <a:r>
-              <a:rPr lang="ko-KR" altLang="en-US" smtClean="0"/>
+              <a:rPr lang="ko-KR" altLang="en-US"/>
               <a:t>마스터 제목 스타일 편집</a:t>
             </a:r>
-            <a:endParaRPr lang="ko-KR" altLang="en-US"/>
           </a:p>
         </p:txBody>
       </p:sp>
@@ -1941,7 +1924,7 @@
           <a:p>
             <a:pPr lvl="0"/>
             <a:r>
-              <a:rPr lang="ko-KR" altLang="en-US" smtClean="0"/>
+              <a:rPr lang="ko-KR" altLang="en-US"/>
               <a:t>마스터 텍스트 스타일을 편집합니다</a:t>
             </a:r>
           </a:p>
@@ -1997,38 +1980,37 @@
           <a:p>
             <a:pPr lvl="0"/>
             <a:r>
-              <a:rPr lang="ko-KR" altLang="en-US" smtClean="0"/>
+              <a:rPr lang="ko-KR" altLang="en-US"/>
               <a:t>마스터 텍스트 스타일을 편집합니다</a:t>
             </a:r>
           </a:p>
           <a:p>
             <a:pPr lvl="1"/>
             <a:r>
-              <a:rPr lang="ko-KR" altLang="en-US" smtClean="0"/>
+              <a:rPr lang="ko-KR" altLang="en-US"/>
               <a:t>둘째 수준</a:t>
             </a:r>
           </a:p>
           <a:p>
             <a:pPr lvl="2"/>
             <a:r>
-              <a:rPr lang="ko-KR" altLang="en-US" smtClean="0"/>
+              <a:rPr lang="ko-KR" altLang="en-US"/>
               <a:t>셋째 수준</a:t>
             </a:r>
           </a:p>
           <a:p>
             <a:pPr lvl="3"/>
             <a:r>
-              <a:rPr lang="ko-KR" altLang="en-US" smtClean="0"/>
+              <a:rPr lang="ko-KR" altLang="en-US"/>
               <a:t>넷째 수준</a:t>
             </a:r>
           </a:p>
           <a:p>
             <a:pPr lvl="4"/>
             <a:r>
-              <a:rPr lang="ko-KR" altLang="en-US" smtClean="0"/>
+              <a:rPr lang="ko-KR" altLang="en-US"/>
               <a:t>다섯째 수준</a:t>
             </a:r>
-            <a:endParaRPr lang="ko-KR" altLang="en-US"/>
           </a:p>
         </p:txBody>
       </p:sp>
@@ -2091,7 +2073,7 @@
           <a:p>
             <a:pPr lvl="0"/>
             <a:r>
-              <a:rPr lang="ko-KR" altLang="en-US" smtClean="0"/>
+              <a:rPr lang="ko-KR" altLang="en-US"/>
               <a:t>마스터 텍스트 스타일을 편집합니다</a:t>
             </a:r>
           </a:p>
@@ -2147,38 +2129,37 @@
           <a:p>
             <a:pPr lvl="0"/>
             <a:r>
-              <a:rPr lang="ko-KR" altLang="en-US" smtClean="0"/>
+              <a:rPr lang="ko-KR" altLang="en-US"/>
               <a:t>마스터 텍스트 스타일을 편집합니다</a:t>
             </a:r>
           </a:p>
           <a:p>
             <a:pPr lvl="1"/>
             <a:r>
-              <a:rPr lang="ko-KR" altLang="en-US" smtClean="0"/>
+              <a:rPr lang="ko-KR" altLang="en-US"/>
               <a:t>둘째 수준</a:t>
             </a:r>
           </a:p>
           <a:p>
             <a:pPr lvl="2"/>
             <a:r>
-              <a:rPr lang="ko-KR" altLang="en-US" smtClean="0"/>
+              <a:rPr lang="ko-KR" altLang="en-US"/>
               <a:t>셋째 수준</a:t>
             </a:r>
           </a:p>
           <a:p>
             <a:pPr lvl="3"/>
             <a:r>
-              <a:rPr lang="ko-KR" altLang="en-US" smtClean="0"/>
+              <a:rPr lang="ko-KR" altLang="en-US"/>
               <a:t>넷째 수준</a:t>
             </a:r>
           </a:p>
           <a:p>
             <a:pPr lvl="4"/>
             <a:r>
-              <a:rPr lang="ko-KR" altLang="en-US" smtClean="0"/>
+              <a:rPr lang="ko-KR" altLang="en-US"/>
               <a:t>다섯째 수준</a:t>
             </a:r>
-            <a:endParaRPr lang="ko-KR" altLang="en-US"/>
           </a:p>
         </p:txBody>
       </p:sp>
@@ -2199,7 +2180,7 @@
           <a:p>
             <a:fld id="{FB30EDBD-1C2D-4C1E-B459-B60219FAB484}" type="datetimeFigureOut">
               <a:rPr lang="ko-KR" altLang="en-US" smtClean="0"/>
-              <a:t>2017-12-05</a:t>
+              <a:t>2017-12-10</a:t>
             </a:fld>
             <a:endParaRPr lang="ko-KR" altLang="en-US"/>
           </a:p>
@@ -2288,10 +2269,9 @@
           <a:lstStyle/>
           <a:p>
             <a:r>
-              <a:rPr lang="ko-KR" altLang="en-US" smtClean="0"/>
+              <a:rPr lang="ko-KR" altLang="en-US"/>
               <a:t>마스터 제목 스타일 편집</a:t>
             </a:r>
-            <a:endParaRPr lang="ko-KR" altLang="en-US"/>
           </a:p>
         </p:txBody>
       </p:sp>
@@ -2312,7 +2292,7 @@
           <a:p>
             <a:fld id="{FB30EDBD-1C2D-4C1E-B459-B60219FAB484}" type="datetimeFigureOut">
               <a:rPr lang="ko-KR" altLang="en-US" smtClean="0"/>
-              <a:t>2017-12-05</a:t>
+              <a:t>2017-12-10</a:t>
             </a:fld>
             <a:endParaRPr lang="ko-KR" altLang="en-US"/>
           </a:p>
@@ -2402,7 +2382,7 @@
           <a:p>
             <a:fld id="{FB30EDBD-1C2D-4C1E-B459-B60219FAB484}" type="datetimeFigureOut">
               <a:rPr lang="ko-KR" altLang="en-US" smtClean="0"/>
-              <a:t>2017-12-05</a:t>
+              <a:t>2017-12-10</a:t>
             </a:fld>
             <a:endParaRPr lang="ko-KR" altLang="en-US"/>
           </a:p>
@@ -2500,10 +2480,9 @@
           </a:lstStyle>
           <a:p>
             <a:r>
-              <a:rPr lang="ko-KR" altLang="en-US" smtClean="0"/>
+              <a:rPr lang="ko-KR" altLang="en-US"/>
               <a:t>마스터 제목 스타일 편집</a:t>
             </a:r>
-            <a:endParaRPr lang="ko-KR" altLang="en-US"/>
           </a:p>
         </p:txBody>
       </p:sp>
@@ -2557,38 +2536,37 @@
           <a:p>
             <a:pPr lvl="0"/>
             <a:r>
-              <a:rPr lang="ko-KR" altLang="en-US" smtClean="0"/>
+              <a:rPr lang="ko-KR" altLang="en-US"/>
               <a:t>마스터 텍스트 스타일을 편집합니다</a:t>
             </a:r>
           </a:p>
           <a:p>
             <a:pPr lvl="1"/>
             <a:r>
-              <a:rPr lang="ko-KR" altLang="en-US" smtClean="0"/>
+              <a:rPr lang="ko-KR" altLang="en-US"/>
               <a:t>둘째 수준</a:t>
             </a:r>
           </a:p>
           <a:p>
             <a:pPr lvl="2"/>
             <a:r>
-              <a:rPr lang="ko-KR" altLang="en-US" smtClean="0"/>
+              <a:rPr lang="ko-KR" altLang="en-US"/>
               <a:t>셋째 수준</a:t>
             </a:r>
           </a:p>
           <a:p>
             <a:pPr lvl="3"/>
             <a:r>
-              <a:rPr lang="ko-KR" altLang="en-US" smtClean="0"/>
+              <a:rPr lang="ko-KR" altLang="en-US"/>
               <a:t>넷째 수준</a:t>
             </a:r>
           </a:p>
           <a:p>
             <a:pPr lvl="4"/>
             <a:r>
-              <a:rPr lang="ko-KR" altLang="en-US" smtClean="0"/>
+              <a:rPr lang="ko-KR" altLang="en-US"/>
               <a:t>다섯째 수준</a:t>
             </a:r>
-            <a:endParaRPr lang="ko-KR" altLang="en-US"/>
           </a:p>
         </p:txBody>
       </p:sp>
@@ -2651,7 +2629,7 @@
           <a:p>
             <a:pPr lvl="0"/>
             <a:r>
-              <a:rPr lang="ko-KR" altLang="en-US" smtClean="0"/>
+              <a:rPr lang="ko-KR" altLang="en-US"/>
               <a:t>마스터 텍스트 스타일을 편집합니다</a:t>
             </a:r>
           </a:p>
@@ -2674,7 +2652,7 @@
           <a:p>
             <a:fld id="{FB30EDBD-1C2D-4C1E-B459-B60219FAB484}" type="datetimeFigureOut">
               <a:rPr lang="ko-KR" altLang="en-US" smtClean="0"/>
-              <a:t>2017-12-05</a:t>
+              <a:t>2017-12-10</a:t>
             </a:fld>
             <a:endParaRPr lang="ko-KR" altLang="en-US"/>
           </a:p>
@@ -2772,10 +2750,9 @@
           </a:lstStyle>
           <a:p>
             <a:r>
-              <a:rPr lang="ko-KR" altLang="en-US" smtClean="0"/>
+              <a:rPr lang="ko-KR" altLang="en-US"/>
               <a:t>마스터 제목 스타일 편집</a:t>
             </a:r>
-            <a:endParaRPr lang="ko-KR" altLang="en-US"/>
           </a:p>
         </p:txBody>
       </p:sp>
@@ -2899,7 +2876,7 @@
           <a:p>
             <a:pPr lvl="0"/>
             <a:r>
-              <a:rPr lang="ko-KR" altLang="en-US" smtClean="0"/>
+              <a:rPr lang="ko-KR" altLang="en-US"/>
               <a:t>마스터 텍스트 스타일을 편집합니다</a:t>
             </a:r>
           </a:p>
@@ -2922,7 +2899,7 @@
           <a:p>
             <a:fld id="{FB30EDBD-1C2D-4C1E-B459-B60219FAB484}" type="datetimeFigureOut">
               <a:rPr lang="ko-KR" altLang="en-US" smtClean="0"/>
-              <a:t>2017-12-05</a:t>
+              <a:t>2017-12-10</a:t>
             </a:fld>
             <a:endParaRPr lang="ko-KR" altLang="en-US"/>
           </a:p>
@@ -3026,10 +3003,9 @@
           <a:lstStyle/>
           <a:p>
             <a:r>
-              <a:rPr lang="ko-KR" altLang="en-US" smtClean="0"/>
+              <a:rPr lang="ko-KR" altLang="en-US"/>
               <a:t>마스터 제목 스타일 편집</a:t>
             </a:r>
-            <a:endParaRPr lang="ko-KR" altLang="en-US"/>
           </a:p>
         </p:txBody>
       </p:sp>
@@ -3060,38 +3036,37 @@
           <a:p>
             <a:pPr lvl="0"/>
             <a:r>
-              <a:rPr lang="ko-KR" altLang="en-US" smtClean="0"/>
+              <a:rPr lang="ko-KR" altLang="en-US"/>
               <a:t>마스터 텍스트 스타일을 편집합니다</a:t>
             </a:r>
           </a:p>
           <a:p>
             <a:pPr lvl="1"/>
             <a:r>
-              <a:rPr lang="ko-KR" altLang="en-US" smtClean="0"/>
+              <a:rPr lang="ko-KR" altLang="en-US"/>
               <a:t>둘째 수준</a:t>
             </a:r>
           </a:p>
           <a:p>
             <a:pPr lvl="2"/>
             <a:r>
-              <a:rPr lang="ko-KR" altLang="en-US" smtClean="0"/>
+              <a:rPr lang="ko-KR" altLang="en-US"/>
               <a:t>셋째 수준</a:t>
             </a:r>
           </a:p>
           <a:p>
             <a:pPr lvl="3"/>
             <a:r>
-              <a:rPr lang="ko-KR" altLang="en-US" smtClean="0"/>
+              <a:rPr lang="ko-KR" altLang="en-US"/>
               <a:t>넷째 수준</a:t>
             </a:r>
           </a:p>
           <a:p>
             <a:pPr lvl="4"/>
             <a:r>
-              <a:rPr lang="ko-KR" altLang="en-US" smtClean="0"/>
+              <a:rPr lang="ko-KR" altLang="en-US"/>
               <a:t>다섯째 수준</a:t>
             </a:r>
-            <a:endParaRPr lang="ko-KR" altLang="en-US"/>
           </a:p>
         </p:txBody>
       </p:sp>
@@ -3130,7 +3105,7 @@
           <a:p>
             <a:fld id="{FB30EDBD-1C2D-4C1E-B459-B60219FAB484}" type="datetimeFigureOut">
               <a:rPr lang="ko-KR" altLang="en-US" smtClean="0"/>
-              <a:t>2017-12-05</a:t>
+              <a:t>2017-12-10</a:t>
             </a:fld>
             <a:endParaRPr lang="ko-KR" altLang="en-US"/>
           </a:p>
@@ -3537,8 +3512,8 @@
           <a:p>
             <a:pPr algn="ctr"/>
             <a:r>
-              <a:rPr lang="en-US" altLang="ko-KR" sz="1400" dirty="0" smtClean="0"/>
-              <a:t>Servlet Container</a:t>
+              <a:rPr lang="en-US" altLang="ko-KR" sz="1400" dirty="0"/>
+              <a:t>WAS</a:t>
             </a:r>
             <a:endParaRPr lang="ko-KR" altLang="en-US" sz="1400" dirty="0"/>
           </a:p>
@@ -3565,7 +3540,7 @@
           <a:lstStyle/>
           <a:p>
             <a:r>
-              <a:rPr lang="en-US" altLang="ko-KR" dirty="0" smtClean="0"/>
+              <a:rPr lang="en-US" altLang="ko-KR" dirty="0"/>
               <a:t>Servlet, Servlet Container</a:t>
             </a:r>
             <a:endParaRPr lang="ko-KR" altLang="en-US" dirty="0"/>
@@ -3609,7 +3584,7 @@
           <a:p>
             <a:pPr algn="ctr"/>
             <a:r>
-              <a:rPr lang="en-US" altLang="ko-KR" sz="1400" dirty="0" smtClean="0"/>
+              <a:rPr lang="en-US" altLang="ko-KR" sz="1400" dirty="0"/>
               <a:t>Web Browser</a:t>
             </a:r>
             <a:endParaRPr lang="ko-KR" altLang="en-US" sz="1400" dirty="0"/>
@@ -3653,14 +3628,14 @@
           <a:p>
             <a:pPr algn="ctr"/>
             <a:r>
-              <a:rPr lang="en-US" altLang="ko-KR" sz="1400" dirty="0" smtClean="0"/>
+              <a:rPr lang="en-US" altLang="ko-KR" sz="1400" dirty="0"/>
               <a:t>Web</a:t>
             </a:r>
           </a:p>
           <a:p>
             <a:pPr algn="ctr"/>
             <a:r>
-              <a:rPr lang="en-US" altLang="ko-KR" sz="1400" dirty="0" smtClean="0"/>
+              <a:rPr lang="en-US" altLang="ko-KR" sz="1400" dirty="0"/>
               <a:t>Server</a:t>
             </a:r>
             <a:endParaRPr lang="ko-KR" altLang="en-US" sz="1400" dirty="0"/>
@@ -3704,14 +3679,14 @@
           <a:p>
             <a:pPr algn="ctr"/>
             <a:r>
-              <a:rPr lang="en-US" altLang="ko-KR" sz="1400" dirty="0" smtClean="0"/>
+              <a:rPr lang="en-US" altLang="ko-KR" sz="1400" dirty="0"/>
               <a:t>Web</a:t>
             </a:r>
           </a:p>
           <a:p>
             <a:pPr algn="ctr"/>
             <a:r>
-              <a:rPr lang="en-US" altLang="ko-KR" sz="1400" dirty="0" smtClean="0"/>
+              <a:rPr lang="en-US" altLang="ko-KR" sz="1400" dirty="0"/>
               <a:t>Server</a:t>
             </a:r>
             <a:endParaRPr lang="ko-KR" altLang="en-US" sz="1400" dirty="0"/>
@@ -3755,7 +3730,7 @@
           <a:p>
             <a:pPr algn="ctr"/>
             <a:r>
-              <a:rPr lang="en-US" altLang="ko-KR" sz="1400" dirty="0" smtClean="0"/>
+              <a:rPr lang="en-US" altLang="ko-KR" sz="1400" dirty="0"/>
               <a:t>Servlet Container</a:t>
             </a:r>
             <a:endParaRPr lang="ko-KR" altLang="en-US" sz="1400" dirty="0"/>
@@ -3799,7 +3774,7 @@
           <a:p>
             <a:pPr algn="ctr"/>
             <a:r>
-              <a:rPr lang="en-US" altLang="ko-KR" sz="1400" dirty="0" smtClean="0"/>
+              <a:rPr lang="en-US" altLang="ko-KR" sz="1400" dirty="0"/>
               <a:t>DB</a:t>
             </a:r>
             <a:endParaRPr lang="ko-KR" altLang="en-US" sz="1400" dirty="0"/>
@@ -3978,14 +3953,14 @@
           <a:p>
             <a:pPr algn="ctr"/>
             <a:r>
-              <a:rPr lang="en-US" altLang="ko-KR" sz="1200" dirty="0" smtClean="0"/>
+              <a:rPr lang="en-US" altLang="ko-KR" sz="1200" dirty="0"/>
               <a:t>HTTP </a:t>
             </a:r>
           </a:p>
           <a:p>
             <a:pPr algn="ctr"/>
             <a:r>
-              <a:rPr lang="en-US" altLang="ko-KR" sz="1200" dirty="0" smtClean="0"/>
+              <a:rPr lang="en-US" altLang="ko-KR" sz="1200" dirty="0"/>
               <a:t>Request</a:t>
             </a:r>
             <a:endParaRPr lang="ko-KR" altLang="en-US" sz="1200" dirty="0"/>
@@ -4016,14 +3991,14 @@
           <a:p>
             <a:pPr algn="ctr"/>
             <a:r>
-              <a:rPr lang="en-US" altLang="ko-KR" sz="1200" dirty="0" smtClean="0"/>
+              <a:rPr lang="en-US" altLang="ko-KR" sz="1200" dirty="0"/>
               <a:t>HTTP </a:t>
             </a:r>
           </a:p>
           <a:p>
             <a:pPr algn="ctr"/>
             <a:r>
-              <a:rPr lang="en-US" altLang="ko-KR" sz="1200" dirty="0" smtClean="0"/>
+              <a:rPr lang="en-US" altLang="ko-KR" sz="1200" dirty="0"/>
               <a:t>Request</a:t>
             </a:r>
             <a:endParaRPr lang="ko-KR" altLang="en-US" sz="1200" dirty="0"/>
@@ -4054,14 +4029,14 @@
           <a:p>
             <a:pPr algn="ctr"/>
             <a:r>
-              <a:rPr lang="en-US" altLang="ko-KR" sz="1200" dirty="0" smtClean="0"/>
+              <a:rPr lang="en-US" altLang="ko-KR" sz="1200" dirty="0"/>
               <a:t>HTTP </a:t>
             </a:r>
           </a:p>
           <a:p>
             <a:pPr algn="ctr"/>
             <a:r>
-              <a:rPr lang="en-US" altLang="ko-KR" sz="1200" dirty="0" smtClean="0"/>
+              <a:rPr lang="en-US" altLang="ko-KR" sz="1200" dirty="0"/>
               <a:t>Response</a:t>
             </a:r>
             <a:endParaRPr lang="ko-KR" altLang="en-US" sz="1200" dirty="0"/>
@@ -4092,14 +4067,14 @@
           <a:p>
             <a:pPr algn="ctr"/>
             <a:r>
-              <a:rPr lang="en-US" altLang="ko-KR" sz="1200" dirty="0" smtClean="0"/>
+              <a:rPr lang="en-US" altLang="ko-KR" sz="1200" dirty="0"/>
               <a:t>HTTP </a:t>
             </a:r>
           </a:p>
           <a:p>
             <a:pPr algn="ctr"/>
             <a:r>
-              <a:rPr lang="en-US" altLang="ko-KR" sz="1200" dirty="0" smtClean="0"/>
+              <a:rPr lang="en-US" altLang="ko-KR" sz="1200" dirty="0"/>
               <a:t>Response</a:t>
             </a:r>
             <a:endParaRPr lang="ko-KR" altLang="en-US" sz="1200" dirty="0"/>
@@ -4291,7 +4266,7 @@
           <a:p>
             <a:pPr algn="ctr"/>
             <a:r>
-              <a:rPr lang="en-US" altLang="ko-KR" sz="1200" dirty="0" smtClean="0"/>
+              <a:rPr lang="en-US" altLang="ko-KR" sz="1200" dirty="0"/>
               <a:t>Servlet</a:t>
             </a:r>
             <a:endParaRPr lang="ko-KR" altLang="en-US" sz="1200" dirty="0"/>
@@ -4335,7 +4310,7 @@
           <a:p>
             <a:pPr algn="ctr"/>
             <a:r>
-              <a:rPr lang="en-US" altLang="ko-KR" sz="1200" dirty="0" smtClean="0"/>
+              <a:rPr lang="en-US" altLang="ko-KR" sz="1200" dirty="0"/>
               <a:t>Servlet</a:t>
             </a:r>
             <a:endParaRPr lang="ko-KR" altLang="en-US" sz="1200" dirty="0"/>
@@ -4379,7 +4354,7 @@
           <a:p>
             <a:pPr algn="ctr"/>
             <a:r>
-              <a:rPr lang="en-US" altLang="ko-KR" sz="1200" dirty="0" smtClean="0"/>
+              <a:rPr lang="en-US" altLang="ko-KR" sz="1200" dirty="0"/>
               <a:t>Servlet</a:t>
             </a:r>
             <a:endParaRPr lang="ko-KR" altLang="en-US" sz="1200" dirty="0"/>
@@ -4423,7 +4398,7 @@
           <a:p>
             <a:pPr algn="ctr"/>
             <a:r>
-              <a:rPr lang="en-US" altLang="ko-KR" sz="1200" dirty="0" smtClean="0"/>
+              <a:rPr lang="en-US" altLang="ko-KR" sz="1200" dirty="0"/>
               <a:t>Servlet</a:t>
             </a:r>
             <a:endParaRPr lang="ko-KR" altLang="en-US" sz="1200" dirty="0"/>
@@ -4440,13 +4415,6 @@
   <p:clrMapOvr>
     <a:masterClrMapping/>
   </p:clrMapOvr>
-  <p:timing>
-    <p:tnLst>
-      <p:par>
-        <p:cTn id="1" dur="indefinite" restart="never" nodeType="tmRoot"/>
-      </p:par>
-    </p:tnLst>
-  </p:timing>
 </p:sld>
 </file>
 
